--- a/code_connectors_Hackspire.pptx
+++ b/code_connectors_Hackspire.pptx
@@ -30383,10 +30383,43 @@
                 <a:cs typeface="Poppins"/>
                 <a:sym typeface="Poppins"/>
               </a:rPr>
-              <a:t>Branch </a:t>
+              <a:t>Branch :  BTech 		Stream :  CSE(DS) 		Year : III</a:t>
             </a:r>
+          </a:p>
+          <a:p>
+            <a:pPr marL="0" indent="0">
+              <a:buSzPts val="1200"/>
+            </a:pPr>
+            <a:endParaRPr lang="en-US" sz="1250" b="1" dirty="0">
+              <a:solidFill>
+                <a:srgbClr val="083F80"/>
+              </a:solidFill>
+              <a:latin typeface="Poppins"/>
+              <a:ea typeface="Poppins"/>
+              <a:cs typeface="Poppins"/>
+              <a:sym typeface="Poppins"/>
+            </a:endParaRPr>
+          </a:p>
+          <a:p>
+            <a:pPr marL="0" indent="0">
+              <a:buSzPts val="1200"/>
+            </a:pPr>
+            <a:endParaRPr lang="en-US" sz="1250" b="1" dirty="0">
+              <a:solidFill>
+                <a:srgbClr val="083F80"/>
+              </a:solidFill>
+              <a:latin typeface="Poppins"/>
+              <a:ea typeface="Poppins"/>
+              <a:cs typeface="Poppins"/>
+              <a:sym typeface="Poppins"/>
+            </a:endParaRPr>
+          </a:p>
+          <a:p>
+            <a:pPr marL="0" indent="0">
+              <a:buSzPts val="1200"/>
+            </a:pPr>
             <a:r>
-              <a:rPr lang="en-US" sz="1250" b="1">
+              <a:rPr lang="en-US" sz="1250" b="1" dirty="0">
                 <a:solidFill>
                   <a:srgbClr val="083F80"/>
                 </a:solidFill>
@@ -30395,10 +30428,10 @@
                 <a:cs typeface="Poppins"/>
                 <a:sym typeface="Poppins"/>
               </a:rPr>
-              <a:t>:  BTech </a:t>
+              <a:t>GitHub </a:t>
             </a:r>
             <a:r>
-              <a:rPr lang="en-US" sz="1250" b="1" dirty="0">
+              <a:rPr lang="en-US" sz="1250" b="1">
                 <a:solidFill>
                   <a:srgbClr val="083F80"/>
                 </a:solidFill>
@@ -30407,10 +30440,10 @@
                 <a:cs typeface="Poppins"/>
                 <a:sym typeface="Poppins"/>
               </a:rPr>
-              <a:t>		Stream :  CSE(DS) 		Year : III</a:t>
+              <a:t>Repository Link: https://github.com/kanhaiyadav/Hackspire_KisaanSetu</a:t>
             </a:r>
             <a:r>
-              <a:rPr lang="en-US" sz="1250" b="1" dirty="0">
+              <a:rPr lang="en-US" sz="1250" b="1">
                 <a:latin typeface="Poppins"/>
                 <a:ea typeface="Poppins"/>
                 <a:cs typeface="Poppins"/>
